--- a/Classes_IndexCards.pptx
+++ b/Classes_IndexCards.pptx
@@ -6,22 +6,21 @@
   </p:sldMasterIdLst>
   <p:sldIdLst>
     <p:sldId id="258" r:id="rId2"/>
-    <p:sldId id="261" r:id="rId3"/>
-    <p:sldId id="259" r:id="rId4"/>
-    <p:sldId id="262" r:id="rId5"/>
-    <p:sldId id="260" r:id="rId6"/>
-    <p:sldId id="263" r:id="rId7"/>
-    <p:sldId id="264" r:id="rId8"/>
-    <p:sldId id="265" r:id="rId9"/>
-    <p:sldId id="267" r:id="rId10"/>
-    <p:sldId id="268" r:id="rId11"/>
-    <p:sldId id="269" r:id="rId12"/>
-    <p:sldId id="271" r:id="rId13"/>
-    <p:sldId id="270" r:id="rId14"/>
-    <p:sldId id="272" r:id="rId15"/>
-    <p:sldId id="273" r:id="rId16"/>
+    <p:sldId id="265" r:id="rId3"/>
+    <p:sldId id="275" r:id="rId4"/>
+    <p:sldId id="272" r:id="rId5"/>
+    <p:sldId id="270" r:id="rId6"/>
+    <p:sldId id="268" r:id="rId7"/>
+    <p:sldId id="267" r:id="rId8"/>
+    <p:sldId id="269" r:id="rId9"/>
+    <p:sldId id="264" r:id="rId10"/>
+    <p:sldId id="276" r:id="rId11"/>
+    <p:sldId id="259" r:id="rId12"/>
+    <p:sldId id="261" r:id="rId13"/>
+    <p:sldId id="262" r:id="rId14"/>
+    <p:sldId id="260" r:id="rId15"/>
+    <p:sldId id="263" r:id="rId16"/>
     <p:sldId id="274" r:id="rId17"/>
-    <p:sldId id="275" r:id="rId18"/>
   </p:sldIdLst>
   <p:sldSz cx="12192000" cy="6858000"/>
   <p:notesSz cx="6858000" cy="9144000"/>
@@ -259,7 +258,7 @@
           <a:p>
             <a:fld id="{364BFFDE-8010-4886-8B2F-BC504488A820}" type="datetimeFigureOut">
               <a:rPr lang="en-US" smtClean="0"/>
-              <a:t>6/20/2016</a:t>
+              <a:t>6/22/2016</a:t>
             </a:fld>
             <a:endParaRPr lang="en-US"/>
           </a:p>
@@ -429,7 +428,7 @@
           <a:p>
             <a:fld id="{364BFFDE-8010-4886-8B2F-BC504488A820}" type="datetimeFigureOut">
               <a:rPr lang="en-US" smtClean="0"/>
-              <a:t>6/20/2016</a:t>
+              <a:t>6/22/2016</a:t>
             </a:fld>
             <a:endParaRPr lang="en-US"/>
           </a:p>
@@ -609,7 +608,7 @@
           <a:p>
             <a:fld id="{364BFFDE-8010-4886-8B2F-BC504488A820}" type="datetimeFigureOut">
               <a:rPr lang="en-US" smtClean="0"/>
-              <a:t>6/20/2016</a:t>
+              <a:t>6/22/2016</a:t>
             </a:fld>
             <a:endParaRPr lang="en-US"/>
           </a:p>
@@ -779,7 +778,7 @@
           <a:p>
             <a:fld id="{364BFFDE-8010-4886-8B2F-BC504488A820}" type="datetimeFigureOut">
               <a:rPr lang="en-US" smtClean="0"/>
-              <a:t>6/20/2016</a:t>
+              <a:t>6/22/2016</a:t>
             </a:fld>
             <a:endParaRPr lang="en-US"/>
           </a:p>
@@ -1025,7 +1024,7 @@
           <a:p>
             <a:fld id="{364BFFDE-8010-4886-8B2F-BC504488A820}" type="datetimeFigureOut">
               <a:rPr lang="en-US" smtClean="0"/>
-              <a:t>6/20/2016</a:t>
+              <a:t>6/22/2016</a:t>
             </a:fld>
             <a:endParaRPr lang="en-US"/>
           </a:p>
@@ -1257,7 +1256,7 @@
           <a:p>
             <a:fld id="{364BFFDE-8010-4886-8B2F-BC504488A820}" type="datetimeFigureOut">
               <a:rPr lang="en-US" smtClean="0"/>
-              <a:t>6/20/2016</a:t>
+              <a:t>6/22/2016</a:t>
             </a:fld>
             <a:endParaRPr lang="en-US"/>
           </a:p>
@@ -1624,7 +1623,7 @@
           <a:p>
             <a:fld id="{364BFFDE-8010-4886-8B2F-BC504488A820}" type="datetimeFigureOut">
               <a:rPr lang="en-US" smtClean="0"/>
-              <a:t>6/20/2016</a:t>
+              <a:t>6/22/2016</a:t>
             </a:fld>
             <a:endParaRPr lang="en-US"/>
           </a:p>
@@ -1742,7 +1741,7 @@
           <a:p>
             <a:fld id="{364BFFDE-8010-4886-8B2F-BC504488A820}" type="datetimeFigureOut">
               <a:rPr lang="en-US" smtClean="0"/>
-              <a:t>6/20/2016</a:t>
+              <a:t>6/22/2016</a:t>
             </a:fld>
             <a:endParaRPr lang="en-US"/>
           </a:p>
@@ -1837,7 +1836,7 @@
           <a:p>
             <a:fld id="{364BFFDE-8010-4886-8B2F-BC504488A820}" type="datetimeFigureOut">
               <a:rPr lang="en-US" smtClean="0"/>
-              <a:t>6/20/2016</a:t>
+              <a:t>6/22/2016</a:t>
             </a:fld>
             <a:endParaRPr lang="en-US"/>
           </a:p>
@@ -2114,7 +2113,7 @@
           <a:p>
             <a:fld id="{364BFFDE-8010-4886-8B2F-BC504488A820}" type="datetimeFigureOut">
               <a:rPr lang="en-US" smtClean="0"/>
-              <a:t>6/20/2016</a:t>
+              <a:t>6/22/2016</a:t>
             </a:fld>
             <a:endParaRPr lang="en-US"/>
           </a:p>
@@ -2367,7 +2366,7 @@
           <a:p>
             <a:fld id="{364BFFDE-8010-4886-8B2F-BC504488A820}" type="datetimeFigureOut">
               <a:rPr lang="en-US" smtClean="0"/>
-              <a:t>6/20/2016</a:t>
+              <a:t>6/22/2016</a:t>
             </a:fld>
             <a:endParaRPr lang="en-US"/>
           </a:p>
@@ -2580,7 +2579,7 @@
           <a:p>
             <a:fld id="{364BFFDE-8010-4886-8B2F-BC504488A820}" type="datetimeFigureOut">
               <a:rPr lang="en-US" smtClean="0"/>
-              <a:t>6/20/2016</a:t>
+              <a:t>6/22/2016</a:t>
             </a:fld>
             <a:endParaRPr lang="en-US"/>
           </a:p>
@@ -3004,7 +3003,19 @@
           <a:p>
             <a:r>
               <a:rPr lang="en-US" b="1" dirty="0" smtClean="0"/>
-              <a:t>Class: Source(client)</a:t>
+              <a:t>Class: </a:t>
+            </a:r>
+            <a:r>
+              <a:rPr lang="en-US" b="1" dirty="0" err="1" smtClean="0"/>
+              <a:t>FileHandler</a:t>
+            </a:r>
+            <a:r>
+              <a:rPr lang="en-US" b="1" dirty="0" smtClean="0"/>
+              <a:t>(client</a:t>
+            </a:r>
+            <a:r>
+              <a:rPr lang="en-US" b="1" dirty="0" smtClean="0"/>
+              <a:t>)</a:t>
             </a:r>
             <a:br>
               <a:rPr lang="en-US" b="1" dirty="0" smtClean="0"/>
@@ -3051,11 +3062,17 @@
           <a:p>
             <a:r>
               <a:rPr lang="en-US" dirty="0" err="1" smtClean="0"/>
-              <a:t>loadF</a:t>
-            </a:r>
+              <a:t>loadFile</a:t>
+            </a:r>
+            <a:r>
+              <a:rPr lang="en-US" dirty="0" smtClean="0"/>
+              <a:t>()</a:t>
+            </a:r>
+          </a:p>
+          <a:p>
             <a:r>
               <a:rPr lang="en-US" dirty="0" err="1" smtClean="0"/>
-              <a:t>ile</a:t>
+              <a:t>closeFile</a:t>
             </a:r>
             <a:r>
               <a:rPr lang="en-US" dirty="0" smtClean="0"/>
@@ -3063,23 +3080,15 @@
             </a:r>
           </a:p>
           <a:p>
-            <a:r>
-              <a:rPr lang="en-US" dirty="0" err="1" smtClean="0"/>
-              <a:t>findKeyword</a:t>
-            </a:r>
-            <a:r>
-              <a:rPr lang="en-US" dirty="0" smtClean="0"/>
-              <a:t>()</a:t>
-            </a:r>
-          </a:p>
-          <a:p>
-            <a:r>
-              <a:rPr lang="en-US" dirty="0"/>
-              <a:t> </a:t>
-            </a:r>
             <a:endParaRPr lang="en-US" dirty="0" smtClean="0"/>
           </a:p>
           <a:p>
+            <a:pPr marL="0" indent="0">
+              <a:buNone/>
+            </a:pPr>
+            <a:endParaRPr lang="en-US" dirty="0" smtClean="0"/>
+          </a:p>
+          <a:p>
             <a:endParaRPr lang="en-US" dirty="0"/>
           </a:p>
         </p:txBody>
@@ -3107,8 +3116,17 @@
           <a:p>
             <a:r>
               <a:rPr lang="en-US" dirty="0" smtClean="0"/>
-              <a:t>Main(Server)</a:t>
-            </a:r>
+              <a:t>Main(Server</a:t>
+            </a:r>
+            <a:r>
+              <a:rPr lang="en-US" dirty="0" smtClean="0"/>
+              <a:t>)</a:t>
+            </a:r>
+          </a:p>
+          <a:p>
+            <a:pPr marL="0" indent="0">
+              <a:buNone/>
+            </a:pPr>
             <a:endParaRPr lang="en-US" dirty="0"/>
           </a:p>
         </p:txBody>
@@ -3243,11 +3261,15 @@
             </a:r>
             <a:r>
               <a:rPr lang="en-US" b="1" dirty="0" err="1" smtClean="0"/>
-              <a:t>IterationBlock</a:t>
-            </a:r>
-            <a:r>
-              <a:rPr lang="en-US" b="1" dirty="0" smtClean="0"/>
-              <a:t/>
+              <a:t>XMLCreator</a:t>
+            </a:r>
+            <a:r>
+              <a:rPr lang="en-US" b="1" dirty="0" smtClean="0"/>
+              <a:t>(client</a:t>
+            </a:r>
+            <a:r>
+              <a:rPr lang="en-US" b="1" dirty="0" smtClean="0"/>
+              <a:t>)</a:t>
             </a:r>
             <a:br>
               <a:rPr lang="en-US" b="1" dirty="0" smtClean="0"/>
@@ -3290,17 +3312,20 @@
               <a:rPr lang="en-US" dirty="0" smtClean="0"/>
               <a:t>:</a:t>
             </a:r>
-          </a:p>
-          <a:p>
-            <a:r>
-              <a:rPr lang="en-US" dirty="0" smtClean="0"/>
-              <a:t>.?</a:t>
-            </a:r>
-          </a:p>
-          <a:p>
             <a:endParaRPr lang="en-US" dirty="0" smtClean="0"/>
           </a:p>
           <a:p>
+            <a:r>
+              <a:rPr lang="en-US" dirty="0" err="1" smtClean="0"/>
+              <a:t>createXMLTemplate</a:t>
+            </a:r>
+            <a:r>
+              <a:rPr lang="en-US" dirty="0" smtClean="0"/>
+              <a:t>()</a:t>
+            </a:r>
+            <a:endParaRPr lang="en-US" dirty="0" smtClean="0"/>
+          </a:p>
+          <a:p>
             <a:endParaRPr lang="en-US" dirty="0"/>
           </a:p>
         </p:txBody>
@@ -3322,24 +3347,23 @@
           <a:p>
             <a:r>
               <a:rPr lang="en-US" dirty="0" smtClean="0"/>
-              <a:t>Collaborations:</a:t>
-            </a:r>
-          </a:p>
-          <a:p>
-            <a:r>
-              <a:rPr lang="en-US" dirty="0" smtClean="0"/>
-              <a:t>CFG(Server)</a:t>
-            </a:r>
-          </a:p>
-          <a:p>
-            <a:r>
-              <a:rPr lang="en-US" dirty="0" smtClean="0"/>
-              <a:t>XML</a:t>
-            </a:r>
-            <a:endParaRPr lang="en-US" dirty="0" smtClean="0"/>
-          </a:p>
-          <a:p>
+              <a:t>Collaborations</a:t>
+            </a:r>
+            <a:r>
+              <a:rPr lang="en-US" dirty="0" smtClean="0"/>
+              <a:t>:</a:t>
+            </a:r>
             <a:endParaRPr lang="en-US" dirty="0"/>
+          </a:p>
+          <a:p>
+            <a:r>
+              <a:rPr lang="en-US" dirty="0" err="1" smtClean="0"/>
+              <a:t>XMLBulder</a:t>
+            </a:r>
+            <a:r>
+              <a:rPr lang="en-US" dirty="0" smtClean="0"/>
+              <a:t>(Server)</a:t>
+            </a:r>
           </a:p>
         </p:txBody>
       </p:sp>
@@ -3416,7 +3440,7 @@
     </p:spTree>
     <p:extLst>
       <p:ext uri="{BB962C8B-B14F-4D97-AF65-F5344CB8AC3E}">
-        <p14:creationId xmlns:p14="http://schemas.microsoft.com/office/powerpoint/2010/main" val="862781597"/>
+        <p14:creationId xmlns:p14="http://schemas.microsoft.com/office/powerpoint/2010/main" val="942867204"/>
       </p:ext>
     </p:extLst>
   </p:cSld>
@@ -3473,18 +3497,18 @@
             </a:r>
             <a:r>
               <a:rPr lang="en-US" b="1" dirty="0" err="1" smtClean="0"/>
-              <a:t>StatementBlock</a:t>
-            </a:r>
-            <a:r>
-              <a:rPr lang="en-US" b="1" dirty="0" smtClean="0"/>
-              <a:t/>
+              <a:t>NormalCFG</a:t>
+            </a:r>
+            <a:r>
+              <a:rPr lang="en-US" b="1" dirty="0" smtClean="0"/>
+              <a:t>(client)</a:t>
             </a:r>
             <a:br>
               <a:rPr lang="en-US" b="1" dirty="0" smtClean="0"/>
             </a:br>
             <a:r>
               <a:rPr lang="en-US" b="1" dirty="0" smtClean="0"/>
-              <a:t>Superclass:</a:t>
+              <a:t>Superclass: CFG</a:t>
             </a:r>
             <a:br>
               <a:rPr lang="en-US" b="1" dirty="0" smtClean="0"/>
@@ -3523,16 +3547,19 @@
           </a:p>
           <a:p>
             <a:r>
-              <a:rPr lang="en-US" dirty="0"/>
-              <a:t>?</a:t>
-            </a:r>
-            <a:endParaRPr lang="en-US" dirty="0" smtClean="0"/>
-          </a:p>
-          <a:p>
-            <a:endParaRPr lang="en-US" dirty="0" smtClean="0"/>
-          </a:p>
-          <a:p>
-            <a:endParaRPr lang="en-US" dirty="0"/>
+              <a:rPr lang="en-US" dirty="0" smtClean="0"/>
+              <a:t>generateD3Code().</a:t>
+            </a:r>
+          </a:p>
+          <a:p>
+            <a:r>
+              <a:rPr lang="en-US" dirty="0" err="1" smtClean="0"/>
+              <a:t>generateNormalCFG</a:t>
+            </a:r>
+            <a:r>
+              <a:rPr lang="en-US" dirty="0" smtClean="0"/>
+              <a:t>()</a:t>
+            </a:r>
           </a:p>
         </p:txBody>
       </p:sp>
@@ -3559,17 +3586,8 @@
           <a:p>
             <a:r>
               <a:rPr lang="en-US" dirty="0" smtClean="0"/>
-              <a:t>CFG(Server)</a:t>
-            </a:r>
-          </a:p>
-          <a:p>
-            <a:r>
-              <a:rPr lang="en-US" dirty="0" smtClean="0"/>
-              <a:t>XML</a:t>
-            </a:r>
-            <a:endParaRPr lang="en-US" dirty="0" smtClean="0"/>
-          </a:p>
-          <a:p>
+              <a:t>Source(Server)</a:t>
+            </a:r>
             <a:endParaRPr lang="en-US" dirty="0"/>
           </a:p>
         </p:txBody>
@@ -3647,7 +3665,7 @@
     </p:spTree>
     <p:extLst>
       <p:ext uri="{BB962C8B-B14F-4D97-AF65-F5344CB8AC3E}">
-        <p14:creationId xmlns:p14="http://schemas.microsoft.com/office/powerpoint/2010/main" val="3662874745"/>
+        <p14:creationId xmlns:p14="http://schemas.microsoft.com/office/powerpoint/2010/main" val="412316143"/>
       </p:ext>
     </p:extLst>
   </p:cSld>
@@ -3700,7 +3718,7 @@
           <a:p>
             <a:r>
               <a:rPr lang="en-US" b="1" dirty="0" smtClean="0"/>
-              <a:t>Class: </a:t>
+              <a:t>Class: CFG(client)</a:t>
             </a:r>
             <a:br>
               <a:rPr lang="en-US" b="1" dirty="0" smtClean="0"/>
@@ -3713,8 +3731,16 @@
               <a:rPr lang="en-US" b="1" dirty="0" smtClean="0"/>
             </a:br>
             <a:r>
-              <a:rPr lang="en-US" b="1" dirty="0" smtClean="0"/>
-              <a:t>Subclass:</a:t>
+              <a:rPr lang="en-US" b="1" dirty="0" err="1" smtClean="0"/>
+              <a:t>Subclass:NormalCFG</a:t>
+            </a:r>
+            <a:r>
+              <a:rPr lang="en-US" b="1" dirty="0" smtClean="0"/>
+              <a:t> and </a:t>
+            </a:r>
+            <a:r>
+              <a:rPr lang="en-US" b="1" dirty="0" err="1" smtClean="0"/>
+              <a:t>MultipleConditionCFG</a:t>
             </a:r>
             <a:endParaRPr lang="en-US" b="1" dirty="0"/>
           </a:p>
@@ -3746,15 +3772,13 @@
           </a:p>
           <a:p>
             <a:r>
-              <a:rPr lang="en-US" dirty="0"/>
-              <a:t>?</a:t>
-            </a:r>
-            <a:endParaRPr lang="en-US" dirty="0" smtClean="0"/>
-          </a:p>
-          <a:p>
-            <a:endParaRPr lang="en-US" dirty="0" smtClean="0"/>
-          </a:p>
-          <a:p>
+              <a:rPr lang="en-US" dirty="0" err="1" smtClean="0"/>
+              <a:t>displayCFG</a:t>
+            </a:r>
+            <a:r>
+              <a:rPr lang="en-US" dirty="0" smtClean="0"/>
+              <a:t>()</a:t>
+            </a:r>
             <a:endParaRPr lang="en-US" dirty="0"/>
           </a:p>
         </p:txBody>
@@ -3778,21 +3802,27 @@
               <a:rPr lang="en-US" dirty="0" smtClean="0"/>
               <a:t>Collaborations:</a:t>
             </a:r>
-          </a:p>
-          <a:p>
-            <a:r>
-              <a:rPr lang="en-US" dirty="0" smtClean="0"/>
-              <a:t>CFG(Server)</a:t>
-            </a:r>
-          </a:p>
-          <a:p>
-            <a:r>
-              <a:rPr lang="en-US" dirty="0" smtClean="0"/>
-              <a:t>XML</a:t>
-            </a:r>
-            <a:endParaRPr lang="en-US" dirty="0" smtClean="0"/>
-          </a:p>
-          <a:p>
+            <a:endParaRPr lang="en-US" dirty="0"/>
+          </a:p>
+          <a:p>
+            <a:r>
+              <a:rPr lang="en-US" dirty="0" err="1" smtClean="0"/>
+              <a:t>NormalCFG</a:t>
+            </a:r>
+            <a:r>
+              <a:rPr lang="en-US" dirty="0" smtClean="0"/>
+              <a:t>(Server)</a:t>
+            </a:r>
+          </a:p>
+          <a:p>
+            <a:r>
+              <a:rPr lang="en-US" dirty="0" err="1" smtClean="0"/>
+              <a:t>MultipleConditionCFG</a:t>
+            </a:r>
+            <a:r>
+              <a:rPr lang="en-US" dirty="0" smtClean="0"/>
+              <a:t>(Server)</a:t>
+            </a:r>
             <a:endParaRPr lang="en-US" dirty="0"/>
           </a:p>
         </p:txBody>
@@ -3870,7 +3900,7 @@
     </p:spTree>
     <p:extLst>
       <p:ext uri="{BB962C8B-B14F-4D97-AF65-F5344CB8AC3E}">
-        <p14:creationId xmlns:p14="http://schemas.microsoft.com/office/powerpoint/2010/main" val="2812801021"/>
+        <p14:creationId xmlns:p14="http://schemas.microsoft.com/office/powerpoint/2010/main" val="3967920465"/>
       </p:ext>
     </p:extLst>
   </p:cSld>
@@ -3926,19 +3956,19 @@
               <a:t>Class: </a:t>
             </a:r>
             <a:r>
-              <a:rPr lang="en-US" b="1" dirty="0" smtClean="0"/>
-              <a:t>Block</a:t>
-            </a:r>
-            <a:r>
-              <a:rPr lang="en-US" b="1" dirty="0" smtClean="0"/>
-              <a:t/>
+              <a:rPr lang="en-US" b="1" dirty="0" err="1" smtClean="0"/>
+              <a:t>MultipleConditionCFG</a:t>
+            </a:r>
+            <a:r>
+              <a:rPr lang="en-US" b="1" dirty="0" smtClean="0"/>
+              <a:t>(client)</a:t>
             </a:r>
             <a:br>
               <a:rPr lang="en-US" b="1" dirty="0" smtClean="0"/>
             </a:br>
             <a:r>
               <a:rPr lang="en-US" b="1" dirty="0" smtClean="0"/>
-              <a:t>Superclass:</a:t>
+              <a:t>Superclass: CFG</a:t>
             </a:r>
             <a:br>
               <a:rPr lang="en-US" b="1" dirty="0" smtClean="0"/>
@@ -3961,7 +3991,12 @@
             <p:ph sz="half" idx="1"/>
           </p:nvPr>
         </p:nvSpPr>
-        <p:spPr/>
+        <p:spPr>
+          <a:xfrm>
+            <a:off x="688072" y="1825625"/>
+            <a:ext cx="5181600" cy="4351338"/>
+          </a:xfrm>
+        </p:spPr>
         <p:txBody>
           <a:bodyPr/>
           <a:lstStyle/>
@@ -3977,15 +4012,13 @@
           </a:p>
           <a:p>
             <a:r>
-              <a:rPr lang="en-US" dirty="0"/>
-              <a:t>?</a:t>
-            </a:r>
-            <a:endParaRPr lang="en-US" dirty="0" smtClean="0"/>
-          </a:p>
-          <a:p>
-            <a:endParaRPr lang="en-US" dirty="0" smtClean="0"/>
-          </a:p>
-          <a:p>
+              <a:rPr lang="en-US" dirty="0" err="1" smtClean="0"/>
+              <a:t>generateMultipleConditionCFG</a:t>
+            </a:r>
+            <a:r>
+              <a:rPr lang="en-US" dirty="0" smtClean="0"/>
+              <a:t>()</a:t>
+            </a:r>
             <a:endParaRPr lang="en-US" dirty="0"/>
           </a:p>
         </p:txBody>
@@ -4013,17 +4046,8 @@
           <a:p>
             <a:r>
               <a:rPr lang="en-US" dirty="0" smtClean="0"/>
-              <a:t>CFG(Server)</a:t>
-            </a:r>
-          </a:p>
-          <a:p>
-            <a:r>
-              <a:rPr lang="en-US" dirty="0" smtClean="0"/>
-              <a:t>XML</a:t>
-            </a:r>
-            <a:endParaRPr lang="en-US" dirty="0" smtClean="0"/>
-          </a:p>
-          <a:p>
+              <a:t>Source(Server)</a:t>
+            </a:r>
             <a:endParaRPr lang="en-US" dirty="0"/>
           </a:p>
         </p:txBody>
@@ -4101,7 +4125,7 @@
     </p:spTree>
     <p:extLst>
       <p:ext uri="{BB962C8B-B14F-4D97-AF65-F5344CB8AC3E}">
-        <p14:creationId xmlns:p14="http://schemas.microsoft.com/office/powerpoint/2010/main" val="258473623"/>
+        <p14:creationId xmlns:p14="http://schemas.microsoft.com/office/powerpoint/2010/main" val="1208353934"/>
       </p:ext>
     </p:extLst>
   </p:cSld>
@@ -4154,15 +4178,7 @@
           <a:p>
             <a:r>
               <a:rPr lang="en-US" b="1" dirty="0" smtClean="0"/>
-              <a:t>Class: </a:t>
-            </a:r>
-            <a:r>
-              <a:rPr lang="en-US" b="1" dirty="0" err="1" smtClean="0"/>
-              <a:t>GenerateBlockXML</a:t>
-            </a:r>
-            <a:r>
-              <a:rPr lang="en-US" b="1" dirty="0" smtClean="0"/>
-              <a:t/>
+              <a:t>Class: XML(client)</a:t>
             </a:r>
             <a:br>
               <a:rPr lang="en-US" b="1" dirty="0" smtClean="0"/>
@@ -4209,7 +4225,7 @@
           <a:p>
             <a:r>
               <a:rPr lang="en-US" dirty="0" err="1" smtClean="0"/>
-              <a:t>identifyBlock</a:t>
+              <a:t>saveXML</a:t>
             </a:r>
             <a:r>
               <a:rPr lang="en-US" dirty="0" smtClean="0"/>
@@ -4217,70 +4233,42 @@
             </a:r>
           </a:p>
           <a:p>
+            <a:endParaRPr lang="en-US" dirty="0" smtClean="0"/>
+          </a:p>
+          <a:p>
+            <a:endParaRPr lang="en-US" dirty="0"/>
+          </a:p>
+        </p:txBody>
+      </p:sp>
+      <p:sp>
+        <p:nvSpPr>
+          <p:cNvPr id="4" name="Marcador de contenido 3"/>
+          <p:cNvSpPr>
+            <a:spLocks noGrp="1"/>
+          </p:cNvSpPr>
+          <p:nvPr>
+            <p:ph sz="half" idx="2"/>
+          </p:nvPr>
+        </p:nvSpPr>
+        <p:spPr/>
+        <p:txBody>
+          <a:bodyPr/>
+          <a:lstStyle/>
+          <a:p>
+            <a:r>
+              <a:rPr lang="en-US" dirty="0" smtClean="0"/>
+              <a:t>Collaborations:</a:t>
+            </a:r>
+          </a:p>
+          <a:p>
             <a:r>
               <a:rPr lang="en-US" dirty="0" err="1" smtClean="0"/>
-              <a:t>conditionalBlockXML</a:t>
-            </a:r>
-            <a:r>
-              <a:rPr lang="en-US" dirty="0" smtClean="0"/>
-              <a:t>()</a:t>
-            </a:r>
-          </a:p>
-          <a:p>
-            <a:r>
-              <a:rPr lang="en-US" dirty="0" err="1" smtClean="0"/>
-              <a:t>iterationBlockXML</a:t>
-            </a:r>
-            <a:r>
-              <a:rPr lang="en-US" dirty="0" smtClean="0"/>
-              <a:t>()</a:t>
-            </a:r>
-          </a:p>
-          <a:p>
-            <a:r>
-              <a:rPr lang="en-US" dirty="0" err="1" smtClean="0"/>
-              <a:t>statementBlockXML</a:t>
-            </a:r>
-            <a:r>
-              <a:rPr lang="en-US" dirty="0" smtClean="0"/>
-              <a:t>()</a:t>
-            </a:r>
-          </a:p>
-          <a:p>
-            <a:endParaRPr lang="en-US" dirty="0" smtClean="0"/>
-          </a:p>
-          <a:p>
-            <a:endParaRPr lang="en-US" dirty="0" smtClean="0"/>
-          </a:p>
-          <a:p>
-            <a:endParaRPr lang="en-US" dirty="0"/>
-          </a:p>
-        </p:txBody>
-      </p:sp>
-      <p:sp>
-        <p:nvSpPr>
-          <p:cNvPr id="4" name="Marcador de contenido 3"/>
-          <p:cNvSpPr>
-            <a:spLocks noGrp="1"/>
-          </p:cNvSpPr>
-          <p:nvPr>
-            <p:ph sz="half" idx="2"/>
-          </p:nvPr>
-        </p:nvSpPr>
-        <p:spPr/>
-        <p:txBody>
-          <a:bodyPr/>
-          <a:lstStyle/>
-          <a:p>
-            <a:r>
-              <a:rPr lang="en-US" dirty="0" smtClean="0"/>
-              <a:t>Collaborations:</a:t>
-            </a:r>
-          </a:p>
-          <a:p>
-            <a:endParaRPr lang="en-US" dirty="0" smtClean="0"/>
-          </a:p>
-          <a:p>
+              <a:t>XMLBuilder</a:t>
+            </a:r>
+            <a:r>
+              <a:rPr lang="en-US" dirty="0" smtClean="0"/>
+              <a:t>(Server)</a:t>
+            </a:r>
             <a:endParaRPr lang="en-US" dirty="0"/>
           </a:p>
         </p:txBody>
@@ -4358,7 +4346,7 @@
     </p:spTree>
     <p:extLst>
       <p:ext uri="{BB962C8B-B14F-4D97-AF65-F5344CB8AC3E}">
-        <p14:creationId xmlns:p14="http://schemas.microsoft.com/office/powerpoint/2010/main" val="1019305501"/>
+        <p14:creationId xmlns:p14="http://schemas.microsoft.com/office/powerpoint/2010/main" val="2615477018"/>
       </p:ext>
     </p:extLst>
   </p:cSld>
@@ -4411,15 +4399,7 @@
           <a:p>
             <a:r>
               <a:rPr lang="en-US" b="1" dirty="0" smtClean="0"/>
-              <a:t>Class: </a:t>
-            </a:r>
-            <a:r>
-              <a:rPr lang="en-US" b="1" dirty="0" err="1" smtClean="0"/>
-              <a:t>CreateFinalXML</a:t>
-            </a:r>
-            <a:r>
-              <a:rPr lang="en-US" b="1" dirty="0" smtClean="0"/>
-              <a:t/>
+              <a:t>Class: GUI(Client)</a:t>
             </a:r>
             <a:br>
               <a:rPr lang="en-US" b="1" dirty="0" smtClean="0"/>
@@ -4466,7 +4446,7 @@
           <a:p>
             <a:r>
               <a:rPr lang="en-US" dirty="0" err="1" smtClean="0"/>
-              <a:t>appendXMLBlocks</a:t>
+              <a:t>drawLayout</a:t>
             </a:r>
             <a:r>
               <a:rPr lang="en-US" dirty="0" smtClean="0"/>
@@ -4476,7 +4456,7 @@
           <a:p>
             <a:r>
               <a:rPr lang="en-US" dirty="0" err="1" smtClean="0"/>
-              <a:t>createFinalXMLFile</a:t>
+              <a:t>drawBrowser</a:t>
             </a:r>
             <a:r>
               <a:rPr lang="en-US" dirty="0" smtClean="0"/>
@@ -4484,24 +4464,19 @@
             </a:r>
           </a:p>
           <a:p>
+            <a:r>
+              <a:rPr lang="en-US" dirty="0" err="1" smtClean="0"/>
+              <a:t>downloadGraph</a:t>
+            </a:r>
+            <a:r>
+              <a:rPr lang="en-US" dirty="0" smtClean="0"/>
+              <a:t>()</a:t>
+            </a:r>
+          </a:p>
+          <a:p>
             <a:endParaRPr lang="en-US" dirty="0" smtClean="0"/>
           </a:p>
           <a:p>
-            <a:endParaRPr lang="en-US" dirty="0" smtClean="0"/>
-          </a:p>
-          <a:p>
-            <a:endParaRPr lang="en-US" dirty="0" smtClean="0"/>
-          </a:p>
-          <a:p>
-            <a:endParaRPr lang="en-US" dirty="0" smtClean="0"/>
-          </a:p>
-          <a:p>
-            <a:endParaRPr lang="en-US" dirty="0" smtClean="0"/>
-          </a:p>
-          <a:p>
-            <a:endParaRPr lang="en-US" dirty="0" smtClean="0"/>
-          </a:p>
-          <a:p>
             <a:endParaRPr lang="en-US" dirty="0"/>
           </a:p>
         </p:txBody>
@@ -4527,9 +4502,14 @@
             </a:r>
           </a:p>
           <a:p>
-            <a:endParaRPr lang="en-US" dirty="0" smtClean="0"/>
-          </a:p>
-          <a:p>
+            <a:r>
+              <a:rPr lang="en-US" dirty="0" smtClean="0"/>
+              <a:t>D3Generator(Server</a:t>
+            </a:r>
+            <a:r>
+              <a:rPr lang="en-US" dirty="0" smtClean="0"/>
+              <a:t>)</a:t>
+            </a:r>
             <a:endParaRPr lang="en-US" dirty="0"/>
           </a:p>
         </p:txBody>
@@ -4607,7 +4587,7 @@
     </p:spTree>
     <p:extLst>
       <p:ext uri="{BB962C8B-B14F-4D97-AF65-F5344CB8AC3E}">
-        <p14:creationId xmlns:p14="http://schemas.microsoft.com/office/powerpoint/2010/main" val="810349022"/>
+        <p14:creationId xmlns:p14="http://schemas.microsoft.com/office/powerpoint/2010/main" val="1051885096"/>
       </p:ext>
     </p:extLst>
   </p:cSld>
@@ -4660,15 +4640,7 @@
           <a:p>
             <a:r>
               <a:rPr lang="en-US" b="1" dirty="0" smtClean="0"/>
-              <a:t>Class</a:t>
-            </a:r>
-            <a:r>
-              <a:rPr lang="en-US" b="1" dirty="0" smtClean="0"/>
-              <a:t>: D3Generator</a:t>
-            </a:r>
-            <a:r>
-              <a:rPr lang="en-US" b="1" dirty="0" smtClean="0"/>
-              <a:t/>
+              <a:t>Class: D3Generator</a:t>
             </a:r>
             <a:br>
               <a:rPr lang="en-US" b="1" dirty="0" smtClean="0"/>
@@ -4855,218 +4827,6 @@
     <p:extLst>
       <p:ext uri="{BB962C8B-B14F-4D97-AF65-F5344CB8AC3E}">
         <p14:creationId xmlns:p14="http://schemas.microsoft.com/office/powerpoint/2010/main" val="3683708704"/>
-      </p:ext>
-    </p:extLst>
-  </p:cSld>
-  <p:clrMapOvr>
-    <a:masterClrMapping/>
-  </p:clrMapOvr>
-  <p:timing>
-    <p:tnLst>
-      <p:par>
-        <p:cTn id="1" dur="indefinite" restart="never" nodeType="tmRoot"/>
-      </p:par>
-    </p:tnLst>
-  </p:timing>
-</p:sld>
-</file>
-
-<file path=ppt/slides/slide17.xml><?xml version="1.0" encoding="utf-8"?>
-<p:sld xmlns:a="http://schemas.openxmlformats.org/drawingml/2006/main" xmlns:r="http://schemas.openxmlformats.org/officeDocument/2006/relationships" xmlns:p="http://schemas.openxmlformats.org/presentationml/2006/main">
-  <p:cSld>
-    <p:spTree>
-      <p:nvGrpSpPr>
-        <p:cNvPr id="1" name=""/>
-        <p:cNvGrpSpPr/>
-        <p:nvPr/>
-      </p:nvGrpSpPr>
-      <p:grpSpPr>
-        <a:xfrm>
-          <a:off x="0" y="0"/>
-          <a:ext cx="0" cy="0"/>
-          <a:chOff x="0" y="0"/>
-          <a:chExt cx="0" cy="0"/>
-        </a:xfrm>
-      </p:grpSpPr>
-      <p:sp>
-        <p:nvSpPr>
-          <p:cNvPr id="2" name="Título 1"/>
-          <p:cNvSpPr>
-            <a:spLocks noGrp="1"/>
-          </p:cNvSpPr>
-          <p:nvPr>
-            <p:ph type="title"/>
-          </p:nvPr>
-        </p:nvSpPr>
-        <p:spPr/>
-        <p:txBody>
-          <a:bodyPr>
-            <a:normAutofit fontScale="90000"/>
-          </a:bodyPr>
-          <a:lstStyle/>
-          <a:p>
-            <a:r>
-              <a:rPr lang="en-US" b="1" dirty="0" smtClean="0"/>
-              <a:t>Class: </a:t>
-            </a:r>
-            <a:br>
-              <a:rPr lang="en-US" b="1" dirty="0" smtClean="0"/>
-            </a:br>
-            <a:r>
-              <a:rPr lang="en-US" b="1" dirty="0" smtClean="0"/>
-              <a:t>Superclass:</a:t>
-            </a:r>
-            <a:br>
-              <a:rPr lang="en-US" b="1" dirty="0" smtClean="0"/>
-            </a:br>
-            <a:r>
-              <a:rPr lang="en-US" b="1" dirty="0" smtClean="0"/>
-              <a:t>Subclass:</a:t>
-            </a:r>
-            <a:endParaRPr lang="en-US" b="1" dirty="0"/>
-          </a:p>
-        </p:txBody>
-      </p:sp>
-      <p:sp>
-        <p:nvSpPr>
-          <p:cNvPr id="3" name="Marcador de contenido 2"/>
-          <p:cNvSpPr>
-            <a:spLocks noGrp="1"/>
-          </p:cNvSpPr>
-          <p:nvPr>
-            <p:ph sz="half" idx="1"/>
-          </p:nvPr>
-        </p:nvSpPr>
-        <p:spPr/>
-        <p:txBody>
-          <a:bodyPr/>
-          <a:lstStyle/>
-          <a:p>
-            <a:r>
-              <a:rPr lang="en-US" dirty="0" err="1" smtClean="0"/>
-              <a:t>Responsabilities</a:t>
-            </a:r>
-            <a:r>
-              <a:rPr lang="en-US" dirty="0" smtClean="0"/>
-              <a:t>:</a:t>
-            </a:r>
-          </a:p>
-          <a:p>
-            <a:endParaRPr lang="en-US" dirty="0" smtClean="0"/>
-          </a:p>
-          <a:p>
-            <a:endParaRPr lang="en-US" dirty="0" smtClean="0"/>
-          </a:p>
-          <a:p>
-            <a:endParaRPr lang="en-US" dirty="0" smtClean="0"/>
-          </a:p>
-          <a:p>
-            <a:endParaRPr lang="en-US" dirty="0"/>
-          </a:p>
-        </p:txBody>
-      </p:sp>
-      <p:sp>
-        <p:nvSpPr>
-          <p:cNvPr id="4" name="Marcador de contenido 3"/>
-          <p:cNvSpPr>
-            <a:spLocks noGrp="1"/>
-          </p:cNvSpPr>
-          <p:nvPr>
-            <p:ph sz="half" idx="2"/>
-          </p:nvPr>
-        </p:nvSpPr>
-        <p:spPr/>
-        <p:txBody>
-          <a:bodyPr/>
-          <a:lstStyle/>
-          <a:p>
-            <a:r>
-              <a:rPr lang="en-US" dirty="0" smtClean="0"/>
-              <a:t>Collaborations:</a:t>
-            </a:r>
-          </a:p>
-          <a:p>
-            <a:endParaRPr lang="en-US" dirty="0" smtClean="0"/>
-          </a:p>
-          <a:p>
-            <a:endParaRPr lang="en-US" dirty="0"/>
-          </a:p>
-        </p:txBody>
-      </p:sp>
-      <p:cxnSp>
-        <p:nvCxnSpPr>
-          <p:cNvPr id="5" name="Conector recto 4"/>
-          <p:cNvCxnSpPr/>
-          <p:nvPr/>
-        </p:nvCxnSpPr>
-        <p:spPr>
-          <a:xfrm>
-            <a:off x="5759355" y="1825625"/>
-            <a:ext cx="0" cy="5032375"/>
-          </a:xfrm>
-          <a:prstGeom prst="line">
-            <a:avLst/>
-          </a:prstGeom>
-          <a:ln w="38100">
-            <a:solidFill>
-              <a:schemeClr val="tx1"/>
-            </a:solidFill>
-          </a:ln>
-        </p:spPr>
-        <p:style>
-          <a:lnRef idx="1">
-            <a:schemeClr val="accent1"/>
-          </a:lnRef>
-          <a:fillRef idx="0">
-            <a:schemeClr val="accent1"/>
-          </a:fillRef>
-          <a:effectRef idx="0">
-            <a:schemeClr val="accent1"/>
-          </a:effectRef>
-          <a:fontRef idx="minor">
-            <a:schemeClr val="tx1"/>
-          </a:fontRef>
-        </p:style>
-      </p:cxnSp>
-      <p:cxnSp>
-        <p:nvCxnSpPr>
-          <p:cNvPr id="6" name="Conector recto 5"/>
-          <p:cNvCxnSpPr/>
-          <p:nvPr/>
-        </p:nvCxnSpPr>
-        <p:spPr>
-          <a:xfrm>
-            <a:off x="0" y="1825625"/>
-            <a:ext cx="12192000" cy="0"/>
-          </a:xfrm>
-          <a:prstGeom prst="line">
-            <a:avLst/>
-          </a:prstGeom>
-          <a:ln w="38100">
-            <a:solidFill>
-              <a:schemeClr val="tx1"/>
-            </a:solidFill>
-          </a:ln>
-        </p:spPr>
-        <p:style>
-          <a:lnRef idx="1">
-            <a:schemeClr val="accent1"/>
-          </a:lnRef>
-          <a:fillRef idx="0">
-            <a:schemeClr val="accent1"/>
-          </a:fillRef>
-          <a:effectRef idx="0">
-            <a:schemeClr val="accent1"/>
-          </a:effectRef>
-          <a:fontRef idx="minor">
-            <a:schemeClr val="tx1"/>
-          </a:fontRef>
-        </p:style>
-      </p:cxnSp>
-    </p:spTree>
-    <p:extLst>
-      <p:ext uri="{BB962C8B-B14F-4D97-AF65-F5344CB8AC3E}">
-        <p14:creationId xmlns:p14="http://schemas.microsoft.com/office/powerpoint/2010/main" val="672470614"/>
       </p:ext>
     </p:extLst>
   </p:cSld>
@@ -5119,7 +4879,15 @@
           <a:p>
             <a:r>
               <a:rPr lang="en-US" b="1" dirty="0" smtClean="0"/>
-              <a:t>Class: CFG(client)</a:t>
+              <a:t>Class: </a:t>
+            </a:r>
+            <a:r>
+              <a:rPr lang="en-US" b="1" dirty="0" err="1" smtClean="0"/>
+              <a:t>KeywordFinder</a:t>
+            </a:r>
+            <a:r>
+              <a:rPr lang="en-US" b="1" dirty="0" smtClean="0"/>
+              <a:t/>
             </a:r>
             <a:br>
               <a:rPr lang="en-US" b="1" dirty="0" smtClean="0"/>
@@ -5132,16 +4900,8 @@
               <a:rPr lang="en-US" b="1" dirty="0" smtClean="0"/>
             </a:br>
             <a:r>
-              <a:rPr lang="en-US" b="1" dirty="0" err="1" smtClean="0"/>
-              <a:t>Subclass:NormalCFG</a:t>
-            </a:r>
-            <a:r>
-              <a:rPr lang="en-US" b="1" dirty="0" smtClean="0"/>
-              <a:t> and </a:t>
-            </a:r>
-            <a:r>
-              <a:rPr lang="en-US" b="1" dirty="0" err="1" smtClean="0"/>
-              <a:t>MultipleConditionCFG</a:t>
+              <a:rPr lang="en-US" b="1" dirty="0" smtClean="0"/>
+              <a:t>Subclass:</a:t>
             </a:r>
             <a:endParaRPr lang="en-US" b="1" dirty="0"/>
           </a:p>
@@ -5174,12 +4934,23 @@
           <a:p>
             <a:r>
               <a:rPr lang="en-US" dirty="0" err="1" smtClean="0"/>
-              <a:t>displayCFG</a:t>
-            </a:r>
-            <a:r>
-              <a:rPr lang="en-US" dirty="0" smtClean="0"/>
+              <a:t>findKeyword</a:t>
+            </a:r>
+            <a:r>
+              <a:rPr lang="en-US" dirty="0"/>
               <a:t>()</a:t>
             </a:r>
+            <a:endParaRPr lang="en-US" dirty="0" smtClean="0"/>
+          </a:p>
+          <a:p>
+            <a:r>
+              <a:rPr lang="en-US" dirty="0" err="1" smtClean="0"/>
+              <a:t>identifyKeywords</a:t>
+            </a:r>
+            <a:r>
+              <a:rPr lang="en-US" dirty="0" smtClean="0"/>
+              <a:t>()</a:t>
+            </a:r>
             <a:endParaRPr lang="en-US" dirty="0"/>
           </a:p>
         </p:txBody>
@@ -5203,12 +4974,11 @@
               <a:rPr lang="en-US" dirty="0" smtClean="0"/>
               <a:t>Collaborations:</a:t>
             </a:r>
-            <a:endParaRPr lang="en-US" dirty="0"/>
           </a:p>
           <a:p>
             <a:r>
               <a:rPr lang="en-US" dirty="0" err="1" smtClean="0"/>
-              <a:t>NormalCFG</a:t>
+              <a:t>FileHandler</a:t>
             </a:r>
             <a:r>
               <a:rPr lang="en-US" dirty="0" smtClean="0"/>
@@ -5216,14 +4986,12 @@
             </a:r>
           </a:p>
           <a:p>
-            <a:r>
-              <a:rPr lang="en-US" dirty="0" err="1" smtClean="0"/>
-              <a:t>MultipleConditionCFG</a:t>
-            </a:r>
-            <a:r>
-              <a:rPr lang="en-US" dirty="0" smtClean="0"/>
-              <a:t>(Server)</a:t>
-            </a:r>
+            <a:pPr marL="0" indent="0">
+              <a:buNone/>
+            </a:pPr>
+            <a:endParaRPr lang="en-US" dirty="0" smtClean="0"/>
+          </a:p>
+          <a:p>
             <a:endParaRPr lang="en-US" dirty="0"/>
           </a:p>
         </p:txBody>
@@ -5301,7 +5069,7 @@
     </p:spTree>
     <p:extLst>
       <p:ext uri="{BB962C8B-B14F-4D97-AF65-F5344CB8AC3E}">
-        <p14:creationId xmlns:p14="http://schemas.microsoft.com/office/powerpoint/2010/main" val="3967920465"/>
+        <p14:creationId xmlns:p14="http://schemas.microsoft.com/office/powerpoint/2010/main" val="3044440362"/>
       </p:ext>
     </p:extLst>
   </p:cSld>
@@ -5358,18 +5126,18 @@
             </a:r>
             <a:r>
               <a:rPr lang="en-US" b="1" dirty="0" err="1" smtClean="0"/>
-              <a:t>NormalCFG</a:t>
-            </a:r>
-            <a:r>
-              <a:rPr lang="en-US" b="1" dirty="0" smtClean="0"/>
-              <a:t>(client)</a:t>
+              <a:t>BlockCreator</a:t>
+            </a:r>
+            <a:r>
+              <a:rPr lang="en-US" b="1" dirty="0" smtClean="0"/>
+              <a:t/>
             </a:r>
             <a:br>
               <a:rPr lang="en-US" b="1" dirty="0" smtClean="0"/>
             </a:br>
             <a:r>
               <a:rPr lang="en-US" b="1" dirty="0" smtClean="0"/>
-              <a:t>Superclass: CFG</a:t>
+              <a:t>Superclass:</a:t>
             </a:r>
             <a:br>
               <a:rPr lang="en-US" b="1" dirty="0" smtClean="0"/>
@@ -5408,53 +5176,64 @@
           </a:p>
           <a:p>
             <a:r>
-              <a:rPr lang="en-US" dirty="0" smtClean="0"/>
-              <a:t>generateD3Code().</a:t>
-            </a:r>
+              <a:rPr lang="en-US" dirty="0" err="1" smtClean="0"/>
+              <a:t>creteBlock</a:t>
+            </a:r>
+            <a:r>
+              <a:rPr lang="en-US" dirty="0" smtClean="0"/>
+              <a:t>()</a:t>
+            </a:r>
+            <a:endParaRPr lang="en-US" dirty="0" smtClean="0"/>
+          </a:p>
+          <a:p>
+            <a:endParaRPr lang="en-US" dirty="0" smtClean="0"/>
           </a:p>
           <a:p>
             <a:endParaRPr lang="en-US" dirty="0"/>
           </a:p>
-          <a:p>
+        </p:txBody>
+      </p:sp>
+      <p:sp>
+        <p:nvSpPr>
+          <p:cNvPr id="4" name="Marcador de contenido 3"/>
+          <p:cNvSpPr>
+            <a:spLocks noGrp="1"/>
+          </p:cNvSpPr>
+          <p:nvPr>
+            <p:ph sz="half" idx="2"/>
+          </p:nvPr>
+        </p:nvSpPr>
+        <p:spPr/>
+        <p:txBody>
+          <a:bodyPr/>
+          <a:lstStyle/>
+          <a:p>
+            <a:r>
+              <a:rPr lang="en-US" dirty="0" smtClean="0"/>
+              <a:t>Collaborations:</a:t>
+            </a:r>
+          </a:p>
+          <a:p>
+            <a:pPr marL="0" indent="0">
+              <a:buNone/>
+            </a:pPr>
+            <a:r>
+              <a:rPr lang="en-US" dirty="0" err="1" smtClean="0"/>
+              <a:t>KeywordFinder</a:t>
+            </a:r>
+            <a:r>
+              <a:rPr lang="en-US" dirty="0" smtClean="0"/>
+              <a:t>(Server)</a:t>
+            </a:r>
             <a:endParaRPr lang="en-US" dirty="0" smtClean="0"/>
           </a:p>
           <a:p>
-            <a:r>
-              <a:rPr lang="en-US" dirty="0" err="1" smtClean="0"/>
-              <a:t>generateNormalCFG</a:t>
-            </a:r>
-            <a:r>
-              <a:rPr lang="en-US" dirty="0" smtClean="0"/>
-              <a:t>()</a:t>
-            </a:r>
-          </a:p>
-        </p:txBody>
-      </p:sp>
-      <p:sp>
-        <p:nvSpPr>
-          <p:cNvPr id="4" name="Marcador de contenido 3"/>
-          <p:cNvSpPr>
-            <a:spLocks noGrp="1"/>
-          </p:cNvSpPr>
-          <p:nvPr>
-            <p:ph sz="half" idx="2"/>
-          </p:nvPr>
-        </p:nvSpPr>
-        <p:spPr/>
-        <p:txBody>
-          <a:bodyPr/>
-          <a:lstStyle/>
-          <a:p>
-            <a:r>
-              <a:rPr lang="en-US" dirty="0" smtClean="0"/>
-              <a:t>Collaborations:</a:t>
-            </a:r>
-          </a:p>
-          <a:p>
-            <a:r>
-              <a:rPr lang="en-US" dirty="0" smtClean="0"/>
-              <a:t>Source(Server)</a:t>
-            </a:r>
+            <a:pPr marL="0" indent="0">
+              <a:buNone/>
+            </a:pPr>
+            <a:endParaRPr lang="en-US" dirty="0" smtClean="0"/>
+          </a:p>
+          <a:p>
             <a:endParaRPr lang="en-US" dirty="0"/>
           </a:p>
         </p:txBody>
@@ -5532,7 +5311,7 @@
     </p:spTree>
     <p:extLst>
       <p:ext uri="{BB962C8B-B14F-4D97-AF65-F5344CB8AC3E}">
-        <p14:creationId xmlns:p14="http://schemas.microsoft.com/office/powerpoint/2010/main" val="412316143"/>
+        <p14:creationId xmlns:p14="http://schemas.microsoft.com/office/powerpoint/2010/main" val="772070023"/>
       </p:ext>
     </p:extLst>
   </p:cSld>
@@ -5589,18 +5368,18 @@
             </a:r>
             <a:r>
               <a:rPr lang="en-US" b="1" dirty="0" err="1" smtClean="0"/>
-              <a:t>MultipleConditionCFG</a:t>
-            </a:r>
-            <a:r>
-              <a:rPr lang="en-US" b="1" dirty="0" smtClean="0"/>
-              <a:t>(client)</a:t>
+              <a:t>GenerateBlockXML</a:t>
+            </a:r>
+            <a:r>
+              <a:rPr lang="en-US" b="1" dirty="0" smtClean="0"/>
+              <a:t/>
             </a:r>
             <a:br>
               <a:rPr lang="en-US" b="1" dirty="0" smtClean="0"/>
             </a:br>
             <a:r>
               <a:rPr lang="en-US" b="1" dirty="0" smtClean="0"/>
-              <a:t>Superclass: CFG</a:t>
+              <a:t>Superclass:</a:t>
             </a:r>
             <a:br>
               <a:rPr lang="en-US" b="1" dirty="0" smtClean="0"/>
@@ -5623,12 +5402,7 @@
             <p:ph sz="half" idx="1"/>
           </p:nvPr>
         </p:nvSpPr>
-        <p:spPr>
-          <a:xfrm>
-            <a:off x="688072" y="1825625"/>
-            <a:ext cx="5181600" cy="4351338"/>
-          </a:xfrm>
-        </p:spPr>
+        <p:spPr/>
         <p:txBody>
           <a:bodyPr/>
           <a:lstStyle/>
@@ -5645,12 +5419,50 @@
           <a:p>
             <a:r>
               <a:rPr lang="en-US" dirty="0" err="1" smtClean="0"/>
-              <a:t>generateMultipleConditionCFG</a:t>
+              <a:t>identifyBlock</a:t>
             </a:r>
             <a:r>
               <a:rPr lang="en-US" dirty="0" smtClean="0"/>
               <a:t>()</a:t>
             </a:r>
+          </a:p>
+          <a:p>
+            <a:r>
+              <a:rPr lang="en-US" dirty="0" err="1" smtClean="0"/>
+              <a:t>conditionalBlockXML</a:t>
+            </a:r>
+            <a:r>
+              <a:rPr lang="en-US" dirty="0" smtClean="0"/>
+              <a:t>()</a:t>
+            </a:r>
+          </a:p>
+          <a:p>
+            <a:r>
+              <a:rPr lang="en-US" dirty="0" err="1" smtClean="0"/>
+              <a:t>iterationBlockXML</a:t>
+            </a:r>
+            <a:r>
+              <a:rPr lang="en-US" dirty="0" smtClean="0"/>
+              <a:t>()</a:t>
+            </a:r>
+          </a:p>
+          <a:p>
+            <a:r>
+              <a:rPr lang="en-US" dirty="0" err="1" smtClean="0"/>
+              <a:t>statementBlockXML</a:t>
+            </a:r>
+            <a:r>
+              <a:rPr lang="en-US" dirty="0" smtClean="0"/>
+              <a:t>()</a:t>
+            </a:r>
+          </a:p>
+          <a:p>
+            <a:endParaRPr lang="en-US" dirty="0" smtClean="0"/>
+          </a:p>
+          <a:p>
+            <a:endParaRPr lang="en-US" dirty="0" smtClean="0"/>
+          </a:p>
+          <a:p>
             <a:endParaRPr lang="en-US" dirty="0"/>
           </a:p>
         </p:txBody>
@@ -5676,10 +5488,9 @@
             </a:r>
           </a:p>
           <a:p>
-            <a:r>
-              <a:rPr lang="en-US" dirty="0" smtClean="0"/>
-              <a:t>Source(Server)</a:t>
-            </a:r>
+            <a:endParaRPr lang="en-US" dirty="0" smtClean="0"/>
+          </a:p>
+          <a:p>
             <a:endParaRPr lang="en-US" dirty="0"/>
           </a:p>
         </p:txBody>
@@ -5757,7 +5568,7 @@
     </p:spTree>
     <p:extLst>
       <p:ext uri="{BB962C8B-B14F-4D97-AF65-F5344CB8AC3E}">
-        <p14:creationId xmlns:p14="http://schemas.microsoft.com/office/powerpoint/2010/main" val="1208353934"/>
+        <p14:creationId xmlns:p14="http://schemas.microsoft.com/office/powerpoint/2010/main" val="1019305501"/>
       </p:ext>
     </p:extLst>
   </p:cSld>
@@ -5810,7 +5621,7 @@
           <a:p>
             <a:r>
               <a:rPr lang="en-US" b="1" dirty="0" smtClean="0"/>
-              <a:t>Class: XML(client)</a:t>
+              <a:t>Class: Block</a:t>
             </a:r>
             <a:br>
               <a:rPr lang="en-US" b="1" dirty="0" smtClean="0"/>
@@ -5856,47 +5667,84 @@
           </a:p>
           <a:p>
             <a:r>
+              <a:rPr lang="en-US" dirty="0" smtClean="0"/>
+              <a:t>Knows File</a:t>
+            </a:r>
+          </a:p>
+          <a:p>
+            <a:r>
+              <a:rPr lang="en-US" dirty="0" smtClean="0"/>
+              <a:t>Knows Destination</a:t>
+            </a:r>
+          </a:p>
+          <a:p>
+            <a:r>
+              <a:rPr lang="en-US" dirty="0" smtClean="0"/>
+              <a:t>Knows Source</a:t>
+            </a:r>
+          </a:p>
+          <a:p>
+            <a:r>
+              <a:rPr lang="en-US" dirty="0" smtClean="0"/>
+              <a:t>Knows Line Numbers</a:t>
+            </a:r>
+          </a:p>
+          <a:p>
+            <a:endParaRPr lang="en-US" dirty="0" smtClean="0"/>
+          </a:p>
+          <a:p>
+            <a:endParaRPr lang="en-US" dirty="0" smtClean="0"/>
+          </a:p>
+          <a:p>
+            <a:endParaRPr lang="en-US" dirty="0" smtClean="0"/>
+          </a:p>
+          <a:p>
+            <a:endParaRPr lang="en-US" dirty="0"/>
+          </a:p>
+        </p:txBody>
+      </p:sp>
+      <p:sp>
+        <p:nvSpPr>
+          <p:cNvPr id="4" name="Marcador de contenido 3"/>
+          <p:cNvSpPr>
+            <a:spLocks noGrp="1"/>
+          </p:cNvSpPr>
+          <p:nvPr>
+            <p:ph sz="half" idx="2"/>
+          </p:nvPr>
+        </p:nvSpPr>
+        <p:spPr/>
+        <p:txBody>
+          <a:bodyPr/>
+          <a:lstStyle/>
+          <a:p>
+            <a:r>
+              <a:rPr lang="en-US" dirty="0" smtClean="0"/>
+              <a:t>Collaborations</a:t>
+            </a:r>
+            <a:r>
+              <a:rPr lang="en-US" dirty="0" smtClean="0"/>
+              <a:t>:</a:t>
+            </a:r>
+          </a:p>
+          <a:p>
+            <a:r>
               <a:rPr lang="en-US" dirty="0" err="1" smtClean="0"/>
-              <a:t>saveXML</a:t>
-            </a:r>
-            <a:r>
-              <a:rPr lang="en-US" dirty="0" smtClean="0"/>
-              <a:t>()</a:t>
-            </a:r>
-          </a:p>
-          <a:p>
+              <a:t>BlockCreator</a:t>
+            </a:r>
+            <a:r>
+              <a:rPr lang="en-US" dirty="0" smtClean="0"/>
+              <a:t>(Server)</a:t>
+            </a:r>
             <a:endParaRPr lang="en-US" dirty="0" smtClean="0"/>
           </a:p>
           <a:p>
-            <a:endParaRPr lang="en-US" dirty="0"/>
-          </a:p>
-        </p:txBody>
-      </p:sp>
-      <p:sp>
-        <p:nvSpPr>
-          <p:cNvPr id="4" name="Marcador de contenido 3"/>
-          <p:cNvSpPr>
-            <a:spLocks noGrp="1"/>
-          </p:cNvSpPr>
-          <p:nvPr>
-            <p:ph sz="half" idx="2"/>
-          </p:nvPr>
-        </p:nvSpPr>
-        <p:spPr/>
-        <p:txBody>
-          <a:bodyPr/>
-          <a:lstStyle/>
-          <a:p>
-            <a:r>
-              <a:rPr lang="en-US" dirty="0" smtClean="0"/>
-              <a:t>Collaborations:</a:t>
-            </a:r>
-          </a:p>
-          <a:p>
-            <a:r>
-              <a:rPr lang="en-US" dirty="0" smtClean="0"/>
-              <a:t>CFG(Server)</a:t>
-            </a:r>
+            <a:pPr marL="0" indent="0">
+              <a:buNone/>
+            </a:pPr>
+            <a:endParaRPr lang="en-US" dirty="0" smtClean="0"/>
+          </a:p>
+          <a:p>
             <a:endParaRPr lang="en-US" dirty="0"/>
           </a:p>
         </p:txBody>
@@ -5974,7 +5822,7 @@
     </p:spTree>
     <p:extLst>
       <p:ext uri="{BB962C8B-B14F-4D97-AF65-F5344CB8AC3E}">
-        <p14:creationId xmlns:p14="http://schemas.microsoft.com/office/powerpoint/2010/main" val="2615477018"/>
+        <p14:creationId xmlns:p14="http://schemas.microsoft.com/office/powerpoint/2010/main" val="258473623"/>
       </p:ext>
     </p:extLst>
   </p:cSld>
@@ -6030,8 +5878,8 @@
               <a:t>Class: </a:t>
             </a:r>
             <a:r>
-              <a:rPr lang="en-US" b="1" dirty="0" smtClean="0"/>
-              <a:t>GUI(Client)</a:t>
+              <a:rPr lang="en-US" b="1" dirty="0" err="1" smtClean="0"/>
+              <a:t>IterationBlock</a:t>
             </a:r>
             <a:r>
               <a:rPr lang="en-US" b="1" dirty="0" smtClean="0"/>
@@ -6042,7 +5890,15 @@
             </a:br>
             <a:r>
               <a:rPr lang="en-US" b="1" dirty="0" smtClean="0"/>
-              <a:t>Superclass:</a:t>
+              <a:t>Superclass</a:t>
+            </a:r>
+            <a:r>
+              <a:rPr lang="en-US" b="1" dirty="0" smtClean="0"/>
+              <a:t>: Block</a:t>
+            </a:r>
+            <a:r>
+              <a:rPr lang="en-US" b="1" dirty="0" smtClean="0"/>
+              <a:t/>
             </a:r>
             <a:br>
               <a:rPr lang="en-US" b="1" dirty="0" smtClean="0"/>
@@ -6080,78 +5936,51 @@
             </a:r>
           </a:p>
           <a:p>
+            <a:pPr marL="0" indent="0">
+              <a:buNone/>
+            </a:pPr>
+            <a:r>
+              <a:rPr lang="en-US" dirty="0" smtClean="0"/>
+              <a:t>Inherits from Block</a:t>
+            </a:r>
+            <a:endParaRPr lang="en-US" dirty="0" smtClean="0"/>
+          </a:p>
+          <a:p>
+            <a:endParaRPr lang="en-US" dirty="0" smtClean="0"/>
+          </a:p>
+          <a:p>
+            <a:endParaRPr lang="en-US" dirty="0"/>
+          </a:p>
+        </p:txBody>
+      </p:sp>
+      <p:sp>
+        <p:nvSpPr>
+          <p:cNvPr id="4" name="Marcador de contenido 3"/>
+          <p:cNvSpPr>
+            <a:spLocks noGrp="1"/>
+          </p:cNvSpPr>
+          <p:nvPr>
+            <p:ph sz="half" idx="2"/>
+          </p:nvPr>
+        </p:nvSpPr>
+        <p:spPr/>
+        <p:txBody>
+          <a:bodyPr/>
+          <a:lstStyle/>
+          <a:p>
+            <a:r>
+              <a:rPr lang="en-US" dirty="0" smtClean="0"/>
+              <a:t>Collaborations:</a:t>
+            </a:r>
+          </a:p>
+          <a:p>
             <a:r>
               <a:rPr lang="en-US" dirty="0" err="1" smtClean="0"/>
-              <a:t>drawLayout</a:t>
-            </a:r>
-            <a:r>
-              <a:rPr lang="en-US" dirty="0" smtClean="0"/>
-              <a:t>()</a:t>
-            </a:r>
-          </a:p>
-          <a:p>
-            <a:r>
-              <a:rPr lang="en-US" dirty="0" err="1" smtClean="0"/>
-              <a:t>drawBrowser</a:t>
-            </a:r>
-            <a:r>
-              <a:rPr lang="en-US" dirty="0" smtClean="0"/>
-              <a:t>()</a:t>
-            </a:r>
-          </a:p>
-          <a:p>
-            <a:r>
-              <a:rPr lang="en-US" dirty="0" err="1" smtClean="0"/>
-              <a:t>downloadGraph</a:t>
-            </a:r>
-            <a:r>
-              <a:rPr lang="en-US" dirty="0" smtClean="0"/>
-              <a:t>()</a:t>
-            </a:r>
-          </a:p>
-          <a:p>
+              <a:t>BlockCreator</a:t>
+            </a:r>
             <a:endParaRPr lang="en-US" dirty="0" smtClean="0"/>
           </a:p>
           <a:p>
-            <a:endParaRPr lang="en-US" dirty="0"/>
-          </a:p>
-        </p:txBody>
-      </p:sp>
-      <p:sp>
-        <p:nvSpPr>
-          <p:cNvPr id="4" name="Marcador de contenido 3"/>
-          <p:cNvSpPr>
-            <a:spLocks noGrp="1"/>
-          </p:cNvSpPr>
-          <p:nvPr>
-            <p:ph sz="half" idx="2"/>
-          </p:nvPr>
-        </p:nvSpPr>
-        <p:spPr/>
-        <p:txBody>
-          <a:bodyPr/>
-          <a:lstStyle/>
-          <a:p>
-            <a:r>
-              <a:rPr lang="en-US" dirty="0" smtClean="0"/>
-              <a:t>Collaborations:</a:t>
-            </a:r>
-          </a:p>
-          <a:p>
-            <a:r>
-              <a:rPr lang="en-US" dirty="0" smtClean="0"/>
-              <a:t>CFG(Server</a:t>
-            </a:r>
-            <a:r>
-              <a:rPr lang="en-US" dirty="0" smtClean="0"/>
-              <a:t>)</a:t>
-            </a:r>
-          </a:p>
-          <a:p>
-            <a:r>
-              <a:rPr lang="en-US" dirty="0" smtClean="0"/>
-              <a:t>D3Generator(Server)</a:t>
-            </a:r>
             <a:endParaRPr lang="en-US" dirty="0"/>
           </a:p>
         </p:txBody>
@@ -6229,7 +6058,7 @@
     </p:spTree>
     <p:extLst>
       <p:ext uri="{BB962C8B-B14F-4D97-AF65-F5344CB8AC3E}">
-        <p14:creationId xmlns:p14="http://schemas.microsoft.com/office/powerpoint/2010/main" val="1051885096"/>
+        <p14:creationId xmlns:p14="http://schemas.microsoft.com/office/powerpoint/2010/main" val="862781597"/>
       </p:ext>
     </p:extLst>
   </p:cSld>
@@ -6286,7 +6115,7 @@
             </a:r>
             <a:r>
               <a:rPr lang="en-US" b="1" dirty="0" err="1" smtClean="0"/>
-              <a:t>XMLBuilder</a:t>
+              <a:t>ConditionalBlock</a:t>
             </a:r>
             <a:r>
               <a:rPr lang="en-US" b="1" dirty="0" smtClean="0"/>
@@ -6297,7 +6126,11 @@
             </a:br>
             <a:r>
               <a:rPr lang="en-US" b="1" dirty="0" smtClean="0"/>
-              <a:t>Superclass:</a:t>
+              <a:t>Superclass: Block</a:t>
+            </a:r>
+            <a:r>
+              <a:rPr lang="en-US" b="1" dirty="0" smtClean="0"/>
+              <a:t/>
             </a:r>
             <a:br>
               <a:rPr lang="en-US" b="1" dirty="0" smtClean="0"/>
@@ -6335,70 +6168,52 @@
             </a:r>
           </a:p>
           <a:p>
+            <a:pPr marL="0" indent="0">
+              <a:buNone/>
+            </a:pPr>
+            <a:r>
+              <a:rPr lang="en-US" dirty="0"/>
+              <a:t>Inherits from Block</a:t>
+            </a:r>
+          </a:p>
+          <a:p>
+            <a:pPr marL="0" indent="0">
+              <a:buNone/>
+            </a:pPr>
+            <a:endParaRPr lang="en-US" dirty="0" smtClean="0"/>
+          </a:p>
+          <a:p>
+            <a:endParaRPr lang="en-US" dirty="0" smtClean="0"/>
+          </a:p>
+          <a:p>
+            <a:endParaRPr lang="en-US" dirty="0"/>
+          </a:p>
+        </p:txBody>
+      </p:sp>
+      <p:sp>
+        <p:nvSpPr>
+          <p:cNvPr id="4" name="Marcador de contenido 3"/>
+          <p:cNvSpPr>
+            <a:spLocks noGrp="1"/>
+          </p:cNvSpPr>
+          <p:nvPr>
+            <p:ph sz="half" idx="2"/>
+          </p:nvPr>
+        </p:nvSpPr>
+        <p:spPr/>
+        <p:txBody>
+          <a:bodyPr/>
+          <a:lstStyle/>
+          <a:p>
+            <a:r>
+              <a:rPr lang="en-US" dirty="0" smtClean="0"/>
+              <a:t>Collaborations:</a:t>
+            </a:r>
+          </a:p>
+          <a:p>
             <a:r>
               <a:rPr lang="en-US" dirty="0" err="1" smtClean="0"/>
-              <a:t>identifyOxbject</a:t>
-            </a:r>
-            <a:r>
-              <a:rPr lang="en-US" dirty="0" smtClean="0"/>
-              <a:t>()</a:t>
-            </a:r>
-          </a:p>
-          <a:p>
-            <a:r>
-              <a:rPr lang="en-US" dirty="0" err="1" smtClean="0"/>
-              <a:t>generateXML</a:t>
-            </a:r>
-            <a:r>
-              <a:rPr lang="en-US" dirty="0" smtClean="0"/>
-              <a:t>()</a:t>
-            </a:r>
-          </a:p>
-          <a:p>
-            <a:r>
-              <a:rPr lang="en-US" dirty="0" err="1" smtClean="0"/>
-              <a:t>appendXML</a:t>
-            </a:r>
-            <a:r>
-              <a:rPr lang="en-US" dirty="0" smtClean="0"/>
-              <a:t>()</a:t>
-            </a:r>
-          </a:p>
-          <a:p>
-            <a:endParaRPr lang="en-US" dirty="0"/>
-          </a:p>
-        </p:txBody>
-      </p:sp>
-      <p:sp>
-        <p:nvSpPr>
-          <p:cNvPr id="4" name="Marcador de contenido 3"/>
-          <p:cNvSpPr>
-            <a:spLocks noGrp="1"/>
-          </p:cNvSpPr>
-          <p:nvPr>
-            <p:ph sz="half" idx="2"/>
-          </p:nvPr>
-        </p:nvSpPr>
-        <p:spPr/>
-        <p:txBody>
-          <a:bodyPr/>
-          <a:lstStyle/>
-          <a:p>
-            <a:r>
-              <a:rPr lang="en-US" dirty="0" smtClean="0"/>
-              <a:t>Collaborations:</a:t>
-            </a:r>
-          </a:p>
-          <a:p>
-            <a:r>
-              <a:rPr lang="en-US" dirty="0" smtClean="0"/>
-              <a:t>CFG(Server)</a:t>
-            </a:r>
-          </a:p>
-          <a:p>
-            <a:r>
-              <a:rPr lang="en-US" dirty="0" smtClean="0"/>
-              <a:t>XML</a:t>
+              <a:t>BlockCreator</a:t>
             </a:r>
             <a:endParaRPr lang="en-US" dirty="0" smtClean="0"/>
           </a:p>
@@ -6480,7 +6295,7 @@
     </p:spTree>
     <p:extLst>
       <p:ext uri="{BB962C8B-B14F-4D97-AF65-F5344CB8AC3E}">
-        <p14:creationId xmlns:p14="http://schemas.microsoft.com/office/powerpoint/2010/main" val="2617978987"/>
+        <p14:creationId xmlns:p14="http://schemas.microsoft.com/office/powerpoint/2010/main" val="3805059730"/>
       </p:ext>
     </p:extLst>
   </p:cSld>
@@ -6537,7 +6352,7 @@
             </a:r>
             <a:r>
               <a:rPr lang="en-US" b="1" dirty="0" err="1" smtClean="0"/>
-              <a:t>KeywordFinder</a:t>
+              <a:t>StatementBlock</a:t>
             </a:r>
             <a:r>
               <a:rPr lang="en-US" b="1" dirty="0" smtClean="0"/>
@@ -6548,7 +6363,15 @@
             </a:br>
             <a:r>
               <a:rPr lang="en-US" b="1" dirty="0" smtClean="0"/>
-              <a:t>Superclass:</a:t>
+              <a:t>Superclass</a:t>
+            </a:r>
+            <a:r>
+              <a:rPr lang="en-US" b="1" dirty="0" smtClean="0"/>
+              <a:t>: Block</a:t>
+            </a:r>
+            <a:r>
+              <a:rPr lang="en-US" b="1" dirty="0" smtClean="0"/>
+              <a:t/>
             </a:r>
             <a:br>
               <a:rPr lang="en-US" b="1" dirty="0" smtClean="0"/>
@@ -6586,73 +6409,50 @@
             </a:r>
           </a:p>
           <a:p>
+            <a:pPr marL="0" indent="0">
+              <a:buNone/>
+            </a:pPr>
+            <a:r>
+              <a:rPr lang="en-US" dirty="0" smtClean="0"/>
+              <a:t>Inherits from Block</a:t>
+            </a:r>
+            <a:endParaRPr lang="en-US" dirty="0" smtClean="0"/>
+          </a:p>
+          <a:p>
+            <a:endParaRPr lang="en-US" dirty="0" smtClean="0"/>
+          </a:p>
+          <a:p>
+            <a:endParaRPr lang="en-US" dirty="0" smtClean="0"/>
+          </a:p>
+          <a:p>
+            <a:endParaRPr lang="en-US" dirty="0"/>
+          </a:p>
+        </p:txBody>
+      </p:sp>
+      <p:sp>
+        <p:nvSpPr>
+          <p:cNvPr id="4" name="Marcador de contenido 3"/>
+          <p:cNvSpPr>
+            <a:spLocks noGrp="1"/>
+          </p:cNvSpPr>
+          <p:nvPr>
+            <p:ph sz="half" idx="2"/>
+          </p:nvPr>
+        </p:nvSpPr>
+        <p:spPr/>
+        <p:txBody>
+          <a:bodyPr/>
+          <a:lstStyle/>
+          <a:p>
+            <a:r>
+              <a:rPr lang="en-US" dirty="0" smtClean="0"/>
+              <a:t>Collaborations:</a:t>
+            </a:r>
+          </a:p>
+          <a:p>
             <a:r>
               <a:rPr lang="en-US" dirty="0" err="1" smtClean="0"/>
-              <a:t>lookForKeywords</a:t>
-            </a:r>
-            <a:r>
-              <a:rPr lang="en-US" dirty="0" smtClean="0"/>
-              <a:t>()</a:t>
-            </a:r>
-          </a:p>
-          <a:p>
-            <a:r>
-              <a:rPr lang="en-US" dirty="0" err="1" smtClean="0"/>
-              <a:t>whichKeyword</a:t>
-            </a:r>
-            <a:r>
-              <a:rPr lang="en-US" dirty="0" smtClean="0"/>
-              <a:t>()</a:t>
-            </a:r>
-          </a:p>
-          <a:p>
-            <a:r>
-              <a:rPr lang="en-US" dirty="0" err="1" smtClean="0"/>
-              <a:t>createBlock</a:t>
-            </a:r>
-            <a:r>
-              <a:rPr lang="en-US" dirty="0" smtClean="0"/>
-              <a:t>()</a:t>
-            </a:r>
-          </a:p>
-          <a:p>
-            <a:endParaRPr lang="en-US" dirty="0" smtClean="0"/>
-          </a:p>
-          <a:p>
-            <a:endParaRPr lang="en-US" dirty="0"/>
-          </a:p>
-        </p:txBody>
-      </p:sp>
-      <p:sp>
-        <p:nvSpPr>
-          <p:cNvPr id="4" name="Marcador de contenido 3"/>
-          <p:cNvSpPr>
-            <a:spLocks noGrp="1"/>
-          </p:cNvSpPr>
-          <p:nvPr>
-            <p:ph sz="half" idx="2"/>
-          </p:nvPr>
-        </p:nvSpPr>
-        <p:spPr/>
-        <p:txBody>
-          <a:bodyPr/>
-          <a:lstStyle/>
-          <a:p>
-            <a:r>
-              <a:rPr lang="en-US" dirty="0" smtClean="0"/>
-              <a:t>Collaborations:</a:t>
-            </a:r>
-          </a:p>
-          <a:p>
-            <a:r>
-              <a:rPr lang="en-US" dirty="0" smtClean="0"/>
-              <a:t>CFG(Server)</a:t>
-            </a:r>
-          </a:p>
-          <a:p>
-            <a:r>
-              <a:rPr lang="en-US" dirty="0" smtClean="0"/>
-              <a:t>XML</a:t>
+              <a:t>BlockCreator</a:t>
             </a:r>
             <a:endParaRPr lang="en-US" dirty="0" smtClean="0"/>
           </a:p>
@@ -6734,7 +6534,7 @@
     </p:spTree>
     <p:extLst>
       <p:ext uri="{BB962C8B-B14F-4D97-AF65-F5344CB8AC3E}">
-        <p14:creationId xmlns:p14="http://schemas.microsoft.com/office/powerpoint/2010/main" val="3044440362"/>
+        <p14:creationId xmlns:p14="http://schemas.microsoft.com/office/powerpoint/2010/main" val="3662874745"/>
       </p:ext>
     </p:extLst>
   </p:cSld>
@@ -6791,7 +6591,7 @@
             </a:r>
             <a:r>
               <a:rPr lang="en-US" b="1" dirty="0" err="1" smtClean="0"/>
-              <a:t>ConditionalBlock</a:t>
+              <a:t>XMLBuilder</a:t>
             </a:r>
             <a:r>
               <a:rPr lang="en-US" b="1" dirty="0" smtClean="0"/>
@@ -6841,17 +6641,23 @@
           </a:p>
           <a:p>
             <a:r>
-              <a:rPr lang="en-US" dirty="0" smtClean="0"/>
-              <a:t>&gt;?</a:t>
-            </a:r>
-          </a:p>
-          <a:p>
-            <a:r>
-              <a:rPr lang="en-US" dirty="0" smtClean="0"/>
-              <a:t>&gt;?</a:t>
-            </a:r>
-          </a:p>
-          <a:p>
+              <a:rPr lang="en-US" dirty="0" err="1" smtClean="0"/>
+              <a:t>generateXML</a:t>
+            </a:r>
+            <a:r>
+              <a:rPr lang="en-US" dirty="0" smtClean="0"/>
+              <a:t>()</a:t>
+            </a:r>
+          </a:p>
+          <a:p>
+            <a:r>
+              <a:rPr lang="en-US" dirty="0" err="1" smtClean="0"/>
+              <a:t>appendXML</a:t>
+            </a:r>
+            <a:r>
+              <a:rPr lang="en-US" dirty="0" smtClean="0"/>
+              <a:t>()</a:t>
+            </a:r>
             <a:endParaRPr lang="en-US" dirty="0" smtClean="0"/>
           </a:p>
           <a:p>
@@ -6876,20 +6682,24 @@
           <a:p>
             <a:r>
               <a:rPr lang="en-US" dirty="0" smtClean="0"/>
-              <a:t>Collaborations:</a:t>
-            </a:r>
-          </a:p>
-          <a:p>
-            <a:r>
-              <a:rPr lang="en-US" dirty="0" smtClean="0"/>
-              <a:t>CFG(Server)</a:t>
-            </a:r>
-          </a:p>
-          <a:p>
-            <a:r>
-              <a:rPr lang="en-US" dirty="0" smtClean="0"/>
-              <a:t>XML</a:t>
-            </a:r>
+              <a:t>Collaborations</a:t>
+            </a:r>
+            <a:r>
+              <a:rPr lang="en-US" dirty="0" smtClean="0"/>
+              <a:t>:</a:t>
+            </a:r>
+          </a:p>
+          <a:p>
+            <a:r>
+              <a:rPr lang="en-US" dirty="0" smtClean="0"/>
+              <a:t>Block</a:t>
+            </a:r>
+            <a:endParaRPr lang="en-US" dirty="0" smtClean="0"/>
+          </a:p>
+          <a:p>
+            <a:pPr marL="0" indent="0">
+              <a:buNone/>
+            </a:pPr>
             <a:endParaRPr lang="en-US" dirty="0" smtClean="0"/>
           </a:p>
           <a:p>
@@ -6970,7 +6780,7 @@
     </p:spTree>
     <p:extLst>
       <p:ext uri="{BB962C8B-B14F-4D97-AF65-F5344CB8AC3E}">
-        <p14:creationId xmlns:p14="http://schemas.microsoft.com/office/powerpoint/2010/main" val="3805059730"/>
+        <p14:creationId xmlns:p14="http://schemas.microsoft.com/office/powerpoint/2010/main" val="2617978987"/>
       </p:ext>
     </p:extLst>
   </p:cSld>
